--- a/Samsung/Lesson9/AndroidPract.pptx
+++ b/Samsung/Lesson9/AndroidPract.pptx
@@ -348,7 +348,7 @@
             <a:fld id="{5586B75A-687E-405C-8A0B-8D00578BA2C3}" type="datetimeFigureOut">
               <a:rPr lang="en-US" dirty="0"/>
               <a:pPr/>
-              <a:t>10/18/2020</a:t>
+              <a:t>10/19/2020</a:t>
             </a:fld>
             <a:endParaRPr lang="en-US" dirty="0"/>
           </a:p>
@@ -515,7 +515,7 @@
             <a:fld id="{5586B75A-687E-405C-8A0B-8D00578BA2C3}" type="datetimeFigureOut">
               <a:rPr lang="en-US" dirty="0"/>
               <a:pPr/>
-              <a:t>10/18/2020</a:t>
+              <a:t>10/19/2020</a:t>
             </a:fld>
             <a:endParaRPr lang="en-US" dirty="0"/>
           </a:p>
@@ -692,7 +692,7 @@
             <a:fld id="{5586B75A-687E-405C-8A0B-8D00578BA2C3}" type="datetimeFigureOut">
               <a:rPr lang="en-US" dirty="0"/>
               <a:pPr/>
-              <a:t>10/18/2020</a:t>
+              <a:t>10/19/2020</a:t>
             </a:fld>
             <a:endParaRPr lang="en-US" dirty="0"/>
           </a:p>
@@ -859,7 +859,7 @@
             <a:fld id="{5586B75A-687E-405C-8A0B-8D00578BA2C3}" type="datetimeFigureOut">
               <a:rPr lang="en-US" dirty="0"/>
               <a:pPr/>
-              <a:t>10/18/2020</a:t>
+              <a:t>10/19/2020</a:t>
             </a:fld>
             <a:endParaRPr lang="en-US" dirty="0"/>
           </a:p>
@@ -1114,7 +1114,7 @@
             <a:fld id="{5586B75A-687E-405C-8A0B-8D00578BA2C3}" type="datetimeFigureOut">
               <a:rPr lang="en-US" dirty="0"/>
               <a:pPr/>
-              <a:t>10/18/2020</a:t>
+              <a:t>10/19/2020</a:t>
             </a:fld>
             <a:endParaRPr lang="en-US" dirty="0"/>
           </a:p>
@@ -1399,7 +1399,7 @@
             <a:fld id="{5586B75A-687E-405C-8A0B-8D00578BA2C3}" type="datetimeFigureOut">
               <a:rPr lang="en-US" dirty="0"/>
               <a:pPr/>
-              <a:t>10/18/2020</a:t>
+              <a:t>10/19/2020</a:t>
             </a:fld>
             <a:endParaRPr lang="en-US" dirty="0"/>
           </a:p>
@@ -1838,7 +1838,7 @@
             <a:fld id="{5586B75A-687E-405C-8A0B-8D00578BA2C3}" type="datetimeFigureOut">
               <a:rPr lang="en-US" dirty="0"/>
               <a:pPr/>
-              <a:t>10/18/2020</a:t>
+              <a:t>10/19/2020</a:t>
             </a:fld>
             <a:endParaRPr lang="en-US" dirty="0"/>
           </a:p>
@@ -1953,7 +1953,7 @@
             <a:fld id="{5586B75A-687E-405C-8A0B-8D00578BA2C3}" type="datetimeFigureOut">
               <a:rPr lang="en-US" dirty="0"/>
               <a:pPr/>
-              <a:t>10/18/2020</a:t>
+              <a:t>10/19/2020</a:t>
             </a:fld>
             <a:endParaRPr lang="en-US" dirty="0"/>
           </a:p>
@@ -2045,7 +2045,7 @@
             <a:fld id="{5586B75A-687E-405C-8A0B-8D00578BA2C3}" type="datetimeFigureOut">
               <a:rPr lang="en-US" dirty="0"/>
               <a:pPr/>
-              <a:t>10/18/2020</a:t>
+              <a:t>10/19/2020</a:t>
             </a:fld>
             <a:endParaRPr lang="en-US" dirty="0"/>
           </a:p>
@@ -2330,7 +2330,7 @@
             <a:fld id="{5586B75A-687E-405C-8A0B-8D00578BA2C3}" type="datetimeFigureOut">
               <a:rPr lang="en-US" dirty="0"/>
               <a:pPr/>
-              <a:t>10/18/2020</a:t>
+              <a:t>10/19/2020</a:t>
             </a:fld>
             <a:endParaRPr lang="en-US" dirty="0"/>
           </a:p>
@@ -2600,7 +2600,7 @@
             <a:fld id="{5586B75A-687E-405C-8A0B-8D00578BA2C3}" type="datetimeFigureOut">
               <a:rPr lang="en-US" dirty="0"/>
               <a:pPr/>
-              <a:t>10/18/2020</a:t>
+              <a:t>10/19/2020</a:t>
             </a:fld>
             <a:endParaRPr lang="en-US" dirty="0"/>
           </a:p>
@@ -2894,7 +2894,7 @@
             <a:fld id="{5586B75A-687E-405C-8A0B-8D00578BA2C3}" type="datetimeFigureOut">
               <a:rPr lang="en-US" dirty="0"/>
               <a:pPr/>
-              <a:t>10/18/2020</a:t>
+              <a:t>10/19/2020</a:t>
             </a:fld>
             <a:endParaRPr lang="en-US" dirty="0"/>
           </a:p>
@@ -3383,10 +3383,10 @@
       </p:grpSpPr>
       <p:sp useBgFill="1">
         <p:nvSpPr>
-          <p:cNvPr id="2060" name="Rectangle 142">
+          <p:cNvPr id="211" name="Rectangle 210">
             <a:extLst>
               <a:ext uri="{FF2B5EF4-FFF2-40B4-BE49-F238E27FC236}">
-                <a16:creationId xmlns:a16="http://schemas.microsoft.com/office/drawing/2014/main" id="{0F2F231C-9E36-40B0-A4AD-D3AD1E81F065}"/>
+                <a16:creationId xmlns:a16="http://schemas.microsoft.com/office/drawing/2014/main" id="{AA7850C8-8932-45FB-824D-8AB7D84691E5}"/>
               </a:ext>
               <a:ext uri="{C183D7F6-B498-43B3-948B-1728B52AA6E4}">
                 <adec:decorative xmlns:adec="http://schemas.microsoft.com/office/drawing/2017/decorative" val="1"/>
@@ -3443,10 +3443,10 @@
       </p:sp>
       <p:sp>
         <p:nvSpPr>
-          <p:cNvPr id="2061" name="Rectangle 144">
+          <p:cNvPr id="213" name="Rectangle 212">
             <a:extLst>
               <a:ext uri="{FF2B5EF4-FFF2-40B4-BE49-F238E27FC236}">
-                <a16:creationId xmlns:a16="http://schemas.microsoft.com/office/drawing/2014/main" id="{AC80E3FC-06A2-4801-8281-7E4E063B73F9}"/>
+                <a16:creationId xmlns:a16="http://schemas.microsoft.com/office/drawing/2014/main" id="{528BB4B4-FCCA-4BB8-A5B5-7EDD9652DB29}"/>
               </a:ext>
               <a:ext uri="{C183D7F6-B498-43B3-948B-1728B52AA6E4}">
                 <adec:decorative xmlns:adec="http://schemas.microsoft.com/office/drawing/2017/decorative" val="1"/>
@@ -3514,8 +3514,8 @@
         </p:nvSpPr>
         <p:spPr>
           <a:xfrm>
-            <a:off x="485128" y="1298448"/>
-            <a:ext cx="3843409" cy="3255264"/>
+            <a:off x="480607" y="1298448"/>
+            <a:ext cx="3847930" cy="3255264"/>
           </a:xfrm>
         </p:spPr>
         <p:txBody>
@@ -3540,10 +3540,10 @@
       </p:sp>
       <p:sp>
         <p:nvSpPr>
-          <p:cNvPr id="2062" name="Rectangle 146">
+          <p:cNvPr id="215" name="Rectangle 214">
             <a:extLst>
               <a:ext uri="{FF2B5EF4-FFF2-40B4-BE49-F238E27FC236}">
-                <a16:creationId xmlns:a16="http://schemas.microsoft.com/office/drawing/2014/main" id="{6993D2C4-33A7-4A1E-B168-F4C7A6922AE9}"/>
+                <a16:creationId xmlns:a16="http://schemas.microsoft.com/office/drawing/2014/main" id="{9EAD000C-FECC-4415-AB14-16AC3974C64E}"/>
               </a:ext>
               <a:ext uri="{C183D7F6-B498-43B3-948B-1728B52AA6E4}">
                 <adec:decorative xmlns:adec="http://schemas.microsoft.com/office/drawing/2017/decorative" val="1"/>
@@ -3563,8 +3563,119 @@
         </p:nvSpPr>
         <p:spPr>
           <a:xfrm>
-            <a:off x="9408840" y="758952"/>
-            <a:ext cx="2079069" cy="2344272"/>
+            <a:off x="5112727" y="758952"/>
+            <a:ext cx="3379859" cy="3191490"/>
+          </a:xfrm>
+          <a:prstGeom prst="rect">
+            <a:avLst/>
+          </a:prstGeom>
+          <a:solidFill>
+            <a:srgbClr val="FFFFFF"/>
+          </a:solidFill>
+          <a:ln w="66675" cmpd="sng">
+            <a:solidFill>
+              <a:schemeClr val="bg2"/>
+            </a:solidFill>
+            <a:miter lim="800000"/>
+          </a:ln>
+        </p:spPr>
+        <p:style>
+          <a:lnRef idx="2">
+            <a:schemeClr val="accent1">
+              <a:shade val="50000"/>
+            </a:schemeClr>
+          </a:lnRef>
+          <a:fillRef idx="1">
+            <a:schemeClr val="accent1"/>
+          </a:fillRef>
+          <a:effectRef idx="0">
+            <a:schemeClr val="accent1"/>
+          </a:effectRef>
+          <a:fontRef idx="minor">
+            <a:schemeClr val="lt1"/>
+          </a:fontRef>
+        </p:style>
+        <p:txBody>
+          <a:bodyPr rtlCol="0" anchor="ctr"/>
+          <a:lstStyle/>
+          <a:p>
+            <a:pPr algn="ctr"/>
+            <a:endParaRPr lang="en-US"/>
+          </a:p>
+        </p:txBody>
+      </p:sp>
+      <p:pic>
+        <p:nvPicPr>
+          <p:cNvPr id="1026" name="Picture 2" descr="Солнечная Система для детей для Андроид - скачать APK">
+            <a:extLst>
+              <a:ext uri="{FF2B5EF4-FFF2-40B4-BE49-F238E27FC236}">
+                <a16:creationId xmlns:a16="http://schemas.microsoft.com/office/drawing/2014/main" id="{1A29D132-3113-4D31-B758-BF9F98A979DC}"/>
+              </a:ext>
+            </a:extLst>
+          </p:cNvPr>
+          <p:cNvPicPr>
+            <a:picLocks noChangeAspect="1" noChangeArrowheads="1"/>
+          </p:cNvPicPr>
+          <p:nvPr/>
+        </p:nvPicPr>
+        <p:blipFill rotWithShape="1">
+          <a:blip r:embed="rId2">
+            <a:extLst>
+              <a:ext uri="{28A0092B-C50C-407E-A947-70E740481C1C}">
+                <a14:useLocalDpi xmlns:a14="http://schemas.microsoft.com/office/drawing/2010/main" val="0"/>
+              </a:ext>
+            </a:extLst>
+          </a:blip>
+          <a:srcRect l="7248" t="12511" r="6854" b="12428"/>
+          <a:stretch/>
+        </p:blipFill>
+        <p:spPr bwMode="auto">
+          <a:xfrm>
+            <a:off x="5275608" y="1560732"/>
+            <a:ext cx="3054096" cy="1587929"/>
+          </a:xfrm>
+          <a:prstGeom prst="rect">
+            <a:avLst/>
+          </a:prstGeom>
+          <a:noFill/>
+          <a:extLst>
+            <a:ext uri="{909E8E84-426E-40DD-AFC4-6F175D3DCCD1}">
+              <a14:hiddenFill xmlns:a14="http://schemas.microsoft.com/office/drawing/2010/main">
+                <a:solidFill>
+                  <a:srgbClr val="FFFFFF"/>
+                </a:solidFill>
+              </a14:hiddenFill>
+            </a:ext>
+          </a:extLst>
+        </p:spPr>
+      </p:pic>
+      <p:sp>
+        <p:nvSpPr>
+          <p:cNvPr id="217" name="Rectangle 216">
+            <a:extLst>
+              <a:ext uri="{FF2B5EF4-FFF2-40B4-BE49-F238E27FC236}">
+                <a16:creationId xmlns:a16="http://schemas.microsoft.com/office/drawing/2014/main" id="{C4A9CF7B-6D34-42D7-9614-7AA889926123}"/>
+              </a:ext>
+              <a:ext uri="{C183D7F6-B498-43B3-948B-1728B52AA6E4}">
+                <adec:decorative xmlns:adec="http://schemas.microsoft.com/office/drawing/2017/decorative" val="1"/>
+              </a:ext>
+            </a:extLst>
+          </p:cNvPr>
+          <p:cNvSpPr>
+            <a:spLocks noGrp="1" noRot="1" noChangeAspect="1" noMove="1" noResize="1" noEditPoints="1" noAdjustHandles="1" noChangeArrowheads="1" noChangeShapeType="1" noTextEdit="1"/>
+          </p:cNvSpPr>
+          <p:nvPr>
+            <p:extLst>
+              <p:ext uri="{386F3935-93C4-4BCD-93E2-E3B085C9AB24}">
+                <p16:designElem xmlns:p16="http://schemas.microsoft.com/office/powerpoint/2015/main" val="1"/>
+              </p:ext>
+            </p:extLst>
+          </p:nvPr>
+        </p:nvSpPr>
+        <p:spPr>
+          <a:xfrm>
+            <a:off x="8638608" y="758952"/>
+            <a:ext cx="2849303" cy="1830905"/>
           </a:xfrm>
           <a:prstGeom prst="rect">
             <a:avLst/>
@@ -3603,10 +3714,169 @@
       </p:sp>
       <p:sp>
         <p:nvSpPr>
-          <p:cNvPr id="149" name="Rectangle 148">
+          <p:cNvPr id="219" name="Rectangle 218">
             <a:extLst>
               <a:ext uri="{FF2B5EF4-FFF2-40B4-BE49-F238E27FC236}">
-                <a16:creationId xmlns:a16="http://schemas.microsoft.com/office/drawing/2014/main" id="{4554E15C-DA50-4F0F-A416-E3B088C75711}"/>
+                <a16:creationId xmlns:a16="http://schemas.microsoft.com/office/drawing/2014/main" id="{636CCAB5-616C-4A33-8256-D740D31FAD3F}"/>
+              </a:ext>
+              <a:ext uri="{C183D7F6-B498-43B3-948B-1728B52AA6E4}">
+                <adec:decorative xmlns:adec="http://schemas.microsoft.com/office/drawing/2017/decorative" val="1"/>
+              </a:ext>
+            </a:extLst>
+          </p:cNvPr>
+          <p:cNvSpPr>
+            <a:spLocks noGrp="1" noRot="1" noChangeAspect="1" noMove="1" noResize="1" noEditPoints="1" noAdjustHandles="1" noChangeArrowheads="1" noChangeShapeType="1" noTextEdit="1"/>
+          </p:cNvSpPr>
+          <p:nvPr>
+            <p:extLst>
+              <p:ext uri="{386F3935-93C4-4BCD-93E2-E3B085C9AB24}">
+                <p16:designElem xmlns:p16="http://schemas.microsoft.com/office/powerpoint/2015/main" val="1"/>
+              </p:ext>
+            </p:extLst>
+          </p:nvPr>
+        </p:nvSpPr>
+        <p:spPr>
+          <a:xfrm>
+            <a:off x="5120640" y="4090151"/>
+            <a:ext cx="3371946" cy="1999753"/>
+          </a:xfrm>
+          <a:prstGeom prst="rect">
+            <a:avLst/>
+          </a:prstGeom>
+          <a:solidFill>
+            <a:schemeClr val="accent1"/>
+          </a:solidFill>
+          <a:ln>
+            <a:noFill/>
+          </a:ln>
+        </p:spPr>
+        <p:style>
+          <a:lnRef idx="2">
+            <a:schemeClr val="accent1">
+              <a:shade val="50000"/>
+            </a:schemeClr>
+          </a:lnRef>
+          <a:fillRef idx="1">
+            <a:schemeClr val="accent1"/>
+          </a:fillRef>
+          <a:effectRef idx="0">
+            <a:schemeClr val="accent1"/>
+          </a:effectRef>
+          <a:fontRef idx="minor">
+            <a:schemeClr val="lt1"/>
+          </a:fontRef>
+        </p:style>
+        <p:txBody>
+          <a:bodyPr rtlCol="0" anchor="ctr"/>
+          <a:lstStyle/>
+          <a:p>
+            <a:pPr algn="ctr"/>
+            <a:endParaRPr lang="en-US"/>
+          </a:p>
+        </p:txBody>
+      </p:sp>
+      <p:sp>
+        <p:nvSpPr>
+          <p:cNvPr id="221" name="Rectangle 220">
+            <a:extLst>
+              <a:ext uri="{FF2B5EF4-FFF2-40B4-BE49-F238E27FC236}">
+                <a16:creationId xmlns:a16="http://schemas.microsoft.com/office/drawing/2014/main" id="{7472A6C1-76CF-4215-B818-52CFF4D7AAC2}"/>
+              </a:ext>
+              <a:ext uri="{C183D7F6-B498-43B3-948B-1728B52AA6E4}">
+                <adec:decorative xmlns:adec="http://schemas.microsoft.com/office/drawing/2017/decorative" val="1"/>
+              </a:ext>
+            </a:extLst>
+          </p:cNvPr>
+          <p:cNvSpPr>
+            <a:spLocks noGrp="1" noRot="1" noChangeAspect="1" noMove="1" noResize="1" noEditPoints="1" noAdjustHandles="1" noChangeArrowheads="1" noChangeShapeType="1" noTextEdit="1"/>
+          </p:cNvSpPr>
+          <p:nvPr>
+            <p:extLst>
+              <p:ext uri="{386F3935-93C4-4BCD-93E2-E3B085C9AB24}">
+                <p16:designElem xmlns:p16="http://schemas.microsoft.com/office/powerpoint/2015/main" val="1"/>
+              </p:ext>
+            </p:extLst>
+          </p:nvPr>
+        </p:nvSpPr>
+        <p:spPr>
+          <a:xfrm>
+            <a:off x="8638608" y="2722807"/>
+            <a:ext cx="2849303" cy="3367097"/>
+          </a:xfrm>
+          <a:prstGeom prst="rect">
+            <a:avLst/>
+          </a:prstGeom>
+          <a:solidFill>
+            <a:srgbClr val="FFFFFF"/>
+          </a:solidFill>
+          <a:ln w="66675" cmpd="sng">
+            <a:solidFill>
+              <a:schemeClr val="bg2"/>
+            </a:solidFill>
+            <a:miter lim="800000"/>
+          </a:ln>
+        </p:spPr>
+        <p:style>
+          <a:lnRef idx="2">
+            <a:schemeClr val="accent1">
+              <a:shade val="50000"/>
+            </a:schemeClr>
+          </a:lnRef>
+          <a:fillRef idx="1">
+            <a:schemeClr val="accent1"/>
+          </a:fillRef>
+          <a:effectRef idx="0">
+            <a:schemeClr val="accent1"/>
+          </a:effectRef>
+          <a:fontRef idx="minor">
+            <a:schemeClr val="lt1"/>
+          </a:fontRef>
+        </p:style>
+        <p:txBody>
+          <a:bodyPr rtlCol="0" anchor="ctr"/>
+          <a:lstStyle/>
+          <a:p>
+            <a:pPr algn="ctr"/>
+            <a:endParaRPr lang="en-US"/>
+          </a:p>
+        </p:txBody>
+      </p:sp>
+      <p:pic>
+        <p:nvPicPr>
+          <p:cNvPr id="7" name="Рисунок 6">
+            <a:extLst>
+              <a:ext uri="{FF2B5EF4-FFF2-40B4-BE49-F238E27FC236}">
+                <a16:creationId xmlns:a16="http://schemas.microsoft.com/office/drawing/2014/main" id="{04C701EE-8E5A-4403-955A-AA9EC9FF5AFB}"/>
+              </a:ext>
+            </a:extLst>
+          </p:cNvPr>
+          <p:cNvPicPr>
+            <a:picLocks noChangeAspect="1"/>
+          </p:cNvPicPr>
+          <p:nvPr/>
+        </p:nvPicPr>
+        <p:blipFill>
+          <a:blip r:embed="rId3"/>
+          <a:stretch>
+            <a:fillRect/>
+          </a:stretch>
+        </p:blipFill>
+        <p:spPr>
+          <a:xfrm>
+            <a:off x="9209438" y="2888451"/>
+            <a:ext cx="1707641" cy="3035808"/>
+          </a:xfrm>
+          <a:prstGeom prst="rect">
+            <a:avLst/>
+          </a:prstGeom>
+        </p:spPr>
+      </p:pic>
+      <p:sp>
+        <p:nvSpPr>
+          <p:cNvPr id="223" name="Rectangle 222">
+            <a:extLst>
+              <a:ext uri="{FF2B5EF4-FFF2-40B4-BE49-F238E27FC236}">
+                <a16:creationId xmlns:a16="http://schemas.microsoft.com/office/drawing/2014/main" id="{E61CE9D6-3D74-4540-A98B-232824586A3A}"/>
               </a:ext>
               <a:ext uri="{C183D7F6-B498-43B3-948B-1728B52AA6E4}">
                 <adec:decorative xmlns:adec="http://schemas.microsoft.com/office/drawing/2017/decorative" val="1"/>
@@ -3658,51 +3928,6 @@
           </a:fontRef>
         </p:style>
       </p:sp>
-      <p:pic>
-        <p:nvPicPr>
-          <p:cNvPr id="1026" name="Picture 2" descr="Солнечная Система для детей для Андроид - скачать APK">
-            <a:extLst>
-              <a:ext uri="{FF2B5EF4-FFF2-40B4-BE49-F238E27FC236}">
-                <a16:creationId xmlns:a16="http://schemas.microsoft.com/office/drawing/2014/main" id="{1A29D132-3113-4D31-B758-BF9F98A979DC}"/>
-              </a:ext>
-            </a:extLst>
-          </p:cNvPr>
-          <p:cNvPicPr>
-            <a:picLocks noChangeAspect="1" noChangeArrowheads="1"/>
-          </p:cNvPicPr>
-          <p:nvPr/>
-        </p:nvPicPr>
-        <p:blipFill rotWithShape="1">
-          <a:blip r:embed="rId2">
-            <a:extLst>
-              <a:ext uri="{28A0092B-C50C-407E-A947-70E740481C1C}">
-                <a14:useLocalDpi xmlns:a14="http://schemas.microsoft.com/office/drawing/2010/main" val="0"/>
-              </a:ext>
-            </a:extLst>
-          </a:blip>
-          <a:srcRect l="7248" t="12511" r="6854" b="12428"/>
-          <a:stretch/>
-        </p:blipFill>
-        <p:spPr bwMode="auto">
-          <a:xfrm>
-            <a:off x="4730965" y="768097"/>
-            <a:ext cx="4485905" cy="2335128"/>
-          </a:xfrm>
-          <a:prstGeom prst="rect">
-            <a:avLst/>
-          </a:prstGeom>
-          <a:noFill/>
-          <a:extLst>
-            <a:ext uri="{909E8E84-426E-40DD-AFC4-6F175D3DCCD1}">
-              <a14:hiddenFill xmlns:a14="http://schemas.microsoft.com/office/drawing/2010/main">
-                <a:solidFill>
-                  <a:srgbClr val="FFFFFF"/>
-                </a:solidFill>
-              </a14:hiddenFill>
-            </a:ext>
-          </a:extLst>
-        </p:spPr>
-      </p:pic>
       <p:sp>
         <p:nvSpPr>
           <p:cNvPr id="5" name="AutoShape 8" descr="Модель">
@@ -3748,36 +3973,6 @@
           </a:p>
         </p:txBody>
       </p:sp>
-      <p:pic>
-        <p:nvPicPr>
-          <p:cNvPr id="7" name="Рисунок 6">
-            <a:extLst>
-              <a:ext uri="{FF2B5EF4-FFF2-40B4-BE49-F238E27FC236}">
-                <a16:creationId xmlns:a16="http://schemas.microsoft.com/office/drawing/2014/main" id="{04C701EE-8E5A-4403-955A-AA9EC9FF5AFB}"/>
-              </a:ext>
-            </a:extLst>
-          </p:cNvPr>
-          <p:cNvPicPr>
-            <a:picLocks noChangeAspect="1"/>
-          </p:cNvPicPr>
-          <p:nvPr/>
-        </p:nvPicPr>
-        <p:blipFill>
-          <a:blip r:embed="rId3"/>
-          <a:stretch>
-            <a:fillRect/>
-          </a:stretch>
-        </p:blipFill>
-        <p:spPr>
-          <a:xfrm>
-            <a:off x="9209568" y="2140856"/>
-            <a:ext cx="2424749" cy="4310664"/>
-          </a:xfrm>
-          <a:prstGeom prst="rect">
-            <a:avLst/>
-          </a:prstGeom>
-        </p:spPr>
-      </p:pic>
     </p:spTree>
     <p:extLst>
       <p:ext uri="{BB962C8B-B14F-4D97-AF65-F5344CB8AC3E}">
@@ -17276,12 +17471,12 @@
           <a:chExt cx="0" cy="0"/>
         </a:xfrm>
       </p:grpSpPr>
-      <p:sp>
+      <p:sp useBgFill="1">
         <p:nvSpPr>
-          <p:cNvPr id="33" name="Rectangle 32">
+          <p:cNvPr id="141" name="Rectangle 140">
             <a:extLst>
               <a:ext uri="{FF2B5EF4-FFF2-40B4-BE49-F238E27FC236}">
-                <a16:creationId xmlns:a16="http://schemas.microsoft.com/office/drawing/2014/main" id="{43162304-DA60-4C31-9E2B-E22F8DA75FF5}"/>
+                <a16:creationId xmlns:a16="http://schemas.microsoft.com/office/drawing/2014/main" id="{AA7850C8-8932-45FB-824D-8AB7D84691E5}"/>
               </a:ext>
               <a:ext uri="{C183D7F6-B498-43B3-948B-1728B52AA6E4}">
                 <adec:decorative xmlns:adec="http://schemas.microsoft.com/office/drawing/2017/decorative" val="1"/>
@@ -17301,8 +17496,68 @@
         </p:nvSpPr>
         <p:spPr>
           <a:xfrm>
-            <a:off x="1" y="758952"/>
-            <a:ext cx="3443590" cy="5330952"/>
+            <a:off x="0" y="0"/>
+            <a:ext cx="12191999" cy="6858000"/>
+          </a:xfrm>
+          <a:prstGeom prst="rect">
+            <a:avLst/>
+          </a:prstGeom>
+          <a:ln>
+            <a:noFill/>
+          </a:ln>
+        </p:spPr>
+        <p:style>
+          <a:lnRef idx="2">
+            <a:schemeClr val="accent1">
+              <a:shade val="50000"/>
+            </a:schemeClr>
+          </a:lnRef>
+          <a:fillRef idx="1">
+            <a:schemeClr val="accent1"/>
+          </a:fillRef>
+          <a:effectRef idx="0">
+            <a:schemeClr val="accent1"/>
+          </a:effectRef>
+          <a:fontRef idx="minor">
+            <a:schemeClr val="lt1"/>
+          </a:fontRef>
+        </p:style>
+        <p:txBody>
+          <a:bodyPr rtlCol="0" anchor="ctr"/>
+          <a:lstStyle/>
+          <a:p>
+            <a:pPr algn="ctr"/>
+            <a:endParaRPr lang="en-US"/>
+          </a:p>
+        </p:txBody>
+      </p:sp>
+      <p:sp>
+        <p:nvSpPr>
+          <p:cNvPr id="143" name="Rectangle 142">
+            <a:extLst>
+              <a:ext uri="{FF2B5EF4-FFF2-40B4-BE49-F238E27FC236}">
+                <a16:creationId xmlns:a16="http://schemas.microsoft.com/office/drawing/2014/main" id="{528BB4B4-FCCA-4BB8-A5B5-7EDD9652DB29}"/>
+              </a:ext>
+              <a:ext uri="{C183D7F6-B498-43B3-948B-1728B52AA6E4}">
+                <adec:decorative xmlns:adec="http://schemas.microsoft.com/office/drawing/2017/decorative" val="1"/>
+              </a:ext>
+            </a:extLst>
+          </p:cNvPr>
+          <p:cNvSpPr>
+            <a:spLocks noGrp="1" noRot="1" noChangeAspect="1" noMove="1" noResize="1" noEditPoints="1" noAdjustHandles="1" noChangeArrowheads="1" noChangeShapeType="1" noTextEdit="1"/>
+          </p:cNvSpPr>
+          <p:nvPr>
+            <p:extLst>
+              <p:ext uri="{386F3935-93C4-4BCD-93E2-E3B085C9AB24}">
+                <p16:designElem xmlns:p16="http://schemas.microsoft.com/office/powerpoint/2015/main" val="1"/>
+              </p:ext>
+            </p:extLst>
+          </p:nvPr>
+        </p:nvSpPr>
+        <p:spPr>
+          <a:xfrm>
+            <a:off x="1" y="761999"/>
+            <a:ext cx="4642228" cy="5334001"/>
           </a:xfrm>
           <a:prstGeom prst="rect">
             <a:avLst/>
@@ -17333,10 +17588,500 @@
       </p:sp>
       <p:sp>
         <p:nvSpPr>
-          <p:cNvPr id="35" name="Rectangle 34">
+          <p:cNvPr id="28" name="Заголовок 1">
             <a:extLst>
               <a:ext uri="{FF2B5EF4-FFF2-40B4-BE49-F238E27FC236}">
-                <a16:creationId xmlns:a16="http://schemas.microsoft.com/office/drawing/2014/main" id="{C4AE1EFF-264A-4A42-BEA1-0E875F40D74F}"/>
+                <a16:creationId xmlns:a16="http://schemas.microsoft.com/office/drawing/2014/main" id="{A1800B60-BA5D-4BD9-AAE0-43620F882506}"/>
+              </a:ext>
+            </a:extLst>
+          </p:cNvPr>
+          <p:cNvSpPr txBox="1">
+            <a:spLocks/>
+          </p:cNvSpPr>
+          <p:nvPr/>
+        </p:nvSpPr>
+        <p:spPr>
+          <a:xfrm>
+            <a:off x="480607" y="1298448"/>
+            <a:ext cx="3847930" cy="3255264"/>
+          </a:xfrm>
+          <a:prstGeom prst="rect">
+            <a:avLst/>
+          </a:prstGeom>
+        </p:spPr>
+        <p:txBody>
+          <a:bodyPr vert="horz" lIns="91440" tIns="45720" rIns="91440" bIns="45720" rtlCol="0" anchor="b">
+            <a:normAutofit/>
+          </a:bodyPr>
+          <a:lstStyle>
+            <a:lvl1pPr algn="l" defTabSz="914400" rtl="0" eaLnBrk="1" latinLnBrk="0" hangingPunct="1">
+              <a:lnSpc>
+                <a:spcPct val="90000"/>
+              </a:lnSpc>
+              <a:spcBef>
+                <a:spcPct val="0"/>
+              </a:spcBef>
+              <a:buNone/>
+              <a:defRPr sz="5900" kern="1200" spc="-100" baseline="0">
+                <a:solidFill>
+                  <a:srgbClr val="FFFFFF"/>
+                </a:solidFill>
+                <a:latin typeface="+mj-lt"/>
+                <a:ea typeface="+mj-ea"/>
+                <a:cs typeface="+mj-cs"/>
+              </a:defRPr>
+            </a:lvl1pPr>
+          </a:lstStyle>
+          <a:p>
+            <a:pPr marL="0" marR="0" lvl="0" indent="0" fontAlgn="auto">
+              <a:spcAft>
+                <a:spcPts val="600"/>
+              </a:spcAft>
+              <a:buClr>
+                <a:srgbClr val="40BAD2"/>
+              </a:buClr>
+              <a:buSzTx/>
+              <a:tabLst/>
+              <a:defRPr/>
+            </a:pPr>
+            <a:r>
+              <a:rPr lang="en-US" sz="5500" b="1"/>
+              <a:t>Исходные данные</a:t>
+            </a:r>
+            <a:br>
+              <a:rPr kumimoji="0" lang="en-US" sz="5500" b="1" i="0" u="none" strike="noStrike" cap="none" normalizeH="0" noProof="0">
+                <a:ln>
+                  <a:noFill/>
+                </a:ln>
+                <a:effectLst/>
+                <a:uLnTx/>
+                <a:uFillTx/>
+              </a:rPr>
+            </a:br>
+            <a:br>
+              <a:rPr kumimoji="0" lang="en-US" sz="5500" b="1" i="0" u="none" strike="noStrike" cap="none" normalizeH="0" noProof="0">
+                <a:ln>
+                  <a:noFill/>
+                </a:ln>
+                <a:effectLst/>
+                <a:uLnTx/>
+                <a:uFillTx/>
+              </a:rPr>
+            </a:br>
+            <a:endParaRPr kumimoji="0" lang="en-US" sz="5500" b="1" i="0" u="none" strike="noStrike" cap="none" normalizeH="0" noProof="0">
+              <a:ln>
+                <a:noFill/>
+              </a:ln>
+              <a:effectLst/>
+              <a:uLnTx/>
+              <a:uFillTx/>
+            </a:endParaRPr>
+          </a:p>
+        </p:txBody>
+      </p:sp>
+      <p:sp>
+        <p:nvSpPr>
+          <p:cNvPr id="145" name="Rectangle 144">
+            <a:extLst>
+              <a:ext uri="{FF2B5EF4-FFF2-40B4-BE49-F238E27FC236}">
+                <a16:creationId xmlns:a16="http://schemas.microsoft.com/office/drawing/2014/main" id="{9EAD000C-FECC-4415-AB14-16AC3974C64E}"/>
+              </a:ext>
+              <a:ext uri="{C183D7F6-B498-43B3-948B-1728B52AA6E4}">
+                <adec:decorative xmlns:adec="http://schemas.microsoft.com/office/drawing/2017/decorative" val="1"/>
+              </a:ext>
+            </a:extLst>
+          </p:cNvPr>
+          <p:cNvSpPr>
+            <a:spLocks noGrp="1" noRot="1" noChangeAspect="1" noMove="1" noResize="1" noEditPoints="1" noAdjustHandles="1" noChangeArrowheads="1" noChangeShapeType="1" noTextEdit="1"/>
+          </p:cNvSpPr>
+          <p:nvPr>
+            <p:extLst>
+              <p:ext uri="{386F3935-93C4-4BCD-93E2-E3B085C9AB24}">
+                <p16:designElem xmlns:p16="http://schemas.microsoft.com/office/powerpoint/2015/main" val="1"/>
+              </p:ext>
+            </p:extLst>
+          </p:nvPr>
+        </p:nvSpPr>
+        <p:spPr>
+          <a:xfrm>
+            <a:off x="5112727" y="758952"/>
+            <a:ext cx="3379859" cy="3191490"/>
+          </a:xfrm>
+          <a:prstGeom prst="rect">
+            <a:avLst/>
+          </a:prstGeom>
+          <a:solidFill>
+            <a:srgbClr val="FFFFFF"/>
+          </a:solidFill>
+          <a:ln w="66675" cmpd="sng">
+            <a:solidFill>
+              <a:schemeClr val="bg2"/>
+            </a:solidFill>
+            <a:miter lim="800000"/>
+          </a:ln>
+        </p:spPr>
+        <p:style>
+          <a:lnRef idx="2">
+            <a:schemeClr val="accent1">
+              <a:shade val="50000"/>
+            </a:schemeClr>
+          </a:lnRef>
+          <a:fillRef idx="1">
+            <a:schemeClr val="accent1"/>
+          </a:fillRef>
+          <a:effectRef idx="0">
+            <a:schemeClr val="accent1"/>
+          </a:effectRef>
+          <a:fontRef idx="minor">
+            <a:schemeClr val="lt1"/>
+          </a:fontRef>
+        </p:style>
+        <p:txBody>
+          <a:bodyPr rtlCol="0" anchor="ctr"/>
+          <a:lstStyle/>
+          <a:p>
+            <a:pPr algn="ctr"/>
+            <a:endParaRPr lang="en-US"/>
+          </a:p>
+        </p:txBody>
+      </p:sp>
+      <p:pic>
+        <p:nvPicPr>
+          <p:cNvPr id="2056" name="Picture 8" descr="радиусы планет">
+            <a:extLst>
+              <a:ext uri="{FF2B5EF4-FFF2-40B4-BE49-F238E27FC236}">
+                <a16:creationId xmlns:a16="http://schemas.microsoft.com/office/drawing/2014/main" id="{45CB47AA-3799-4DCC-85EB-D782D9536507}"/>
+              </a:ext>
+            </a:extLst>
+          </p:cNvPr>
+          <p:cNvPicPr>
+            <a:picLocks noChangeAspect="1" noChangeArrowheads="1"/>
+          </p:cNvPicPr>
+          <p:nvPr/>
+        </p:nvPicPr>
+        <p:blipFill rotWithShape="1">
+          <a:blip r:embed="rId2">
+            <a:extLst>
+              <a:ext uri="{28A0092B-C50C-407E-A947-70E740481C1C}">
+                <a14:useLocalDpi xmlns:a14="http://schemas.microsoft.com/office/drawing/2010/main" val="0"/>
+              </a:ext>
+            </a:extLst>
+          </a:blip>
+          <a:srcRect r="50000"/>
+          <a:stretch/>
+        </p:blipFill>
+        <p:spPr bwMode="auto">
+          <a:xfrm>
+            <a:off x="5584753" y="923661"/>
+            <a:ext cx="2435805" cy="2862072"/>
+          </a:xfrm>
+          <a:prstGeom prst="rect">
+            <a:avLst/>
+          </a:prstGeom>
+          <a:noFill/>
+          <a:extLst>
+            <a:ext uri="{909E8E84-426E-40DD-AFC4-6F175D3DCCD1}">
+              <a14:hiddenFill xmlns:a14="http://schemas.microsoft.com/office/drawing/2010/main">
+                <a:solidFill>
+                  <a:srgbClr val="FFFFFF"/>
+                </a:solidFill>
+              </a14:hiddenFill>
+            </a:ext>
+          </a:extLst>
+        </p:spPr>
+      </p:pic>
+      <p:sp>
+        <p:nvSpPr>
+          <p:cNvPr id="147" name="Rectangle 146">
+            <a:extLst>
+              <a:ext uri="{FF2B5EF4-FFF2-40B4-BE49-F238E27FC236}">
+                <a16:creationId xmlns:a16="http://schemas.microsoft.com/office/drawing/2014/main" id="{C4A9CF7B-6D34-42D7-9614-7AA889926123}"/>
+              </a:ext>
+              <a:ext uri="{C183D7F6-B498-43B3-948B-1728B52AA6E4}">
+                <adec:decorative xmlns:adec="http://schemas.microsoft.com/office/drawing/2017/decorative" val="1"/>
+              </a:ext>
+            </a:extLst>
+          </p:cNvPr>
+          <p:cNvSpPr>
+            <a:spLocks noGrp="1" noRot="1" noChangeAspect="1" noMove="1" noResize="1" noEditPoints="1" noAdjustHandles="1" noChangeArrowheads="1" noChangeShapeType="1" noTextEdit="1"/>
+          </p:cNvSpPr>
+          <p:nvPr>
+            <p:extLst>
+              <p:ext uri="{386F3935-93C4-4BCD-93E2-E3B085C9AB24}">
+                <p16:designElem xmlns:p16="http://schemas.microsoft.com/office/powerpoint/2015/main" val="1"/>
+              </p:ext>
+            </p:extLst>
+          </p:nvPr>
+        </p:nvSpPr>
+        <p:spPr>
+          <a:xfrm>
+            <a:off x="8638608" y="758952"/>
+            <a:ext cx="2849303" cy="1830905"/>
+          </a:xfrm>
+          <a:prstGeom prst="rect">
+            <a:avLst/>
+          </a:prstGeom>
+          <a:solidFill>
+            <a:schemeClr val="accent1"/>
+          </a:solidFill>
+          <a:ln>
+            <a:noFill/>
+          </a:ln>
+        </p:spPr>
+        <p:style>
+          <a:lnRef idx="2">
+            <a:schemeClr val="accent1">
+              <a:shade val="50000"/>
+            </a:schemeClr>
+          </a:lnRef>
+          <a:fillRef idx="1">
+            <a:schemeClr val="accent1"/>
+          </a:fillRef>
+          <a:effectRef idx="0">
+            <a:schemeClr val="accent1"/>
+          </a:effectRef>
+          <a:fontRef idx="minor">
+            <a:schemeClr val="lt1"/>
+          </a:fontRef>
+        </p:style>
+        <p:txBody>
+          <a:bodyPr rtlCol="0" anchor="ctr"/>
+          <a:lstStyle/>
+          <a:p>
+            <a:pPr algn="ctr"/>
+            <a:endParaRPr lang="en-US"/>
+          </a:p>
+        </p:txBody>
+      </p:sp>
+      <p:sp>
+        <p:nvSpPr>
+          <p:cNvPr id="149" name="Rectangle 148">
+            <a:extLst>
+              <a:ext uri="{FF2B5EF4-FFF2-40B4-BE49-F238E27FC236}">
+                <a16:creationId xmlns:a16="http://schemas.microsoft.com/office/drawing/2014/main" id="{58DEA40E-A1A6-474E-BE3B-A06C929EB7A8}"/>
+              </a:ext>
+              <a:ext uri="{C183D7F6-B498-43B3-948B-1728B52AA6E4}">
+                <adec:decorative xmlns:adec="http://schemas.microsoft.com/office/drawing/2017/decorative" val="1"/>
+              </a:ext>
+            </a:extLst>
+          </p:cNvPr>
+          <p:cNvSpPr>
+            <a:spLocks noGrp="1" noRot="1" noChangeAspect="1" noMove="1" noResize="1" noEditPoints="1" noAdjustHandles="1" noChangeArrowheads="1" noChangeShapeType="1" noTextEdit="1"/>
+          </p:cNvSpPr>
+          <p:nvPr>
+            <p:extLst>
+              <p:ext uri="{386F3935-93C4-4BCD-93E2-E3B085C9AB24}">
+                <p16:designElem xmlns:p16="http://schemas.microsoft.com/office/powerpoint/2015/main" val="1"/>
+              </p:ext>
+            </p:extLst>
+          </p:nvPr>
+        </p:nvSpPr>
+        <p:spPr>
+          <a:xfrm>
+            <a:off x="5112727" y="4115150"/>
+            <a:ext cx="3379859" cy="1983897"/>
+          </a:xfrm>
+          <a:prstGeom prst="rect">
+            <a:avLst/>
+          </a:prstGeom>
+          <a:solidFill>
+            <a:srgbClr val="FFFFFF"/>
+          </a:solidFill>
+          <a:ln w="66675" cmpd="sng">
+            <a:solidFill>
+              <a:schemeClr val="bg2"/>
+            </a:solidFill>
+            <a:miter lim="800000"/>
+          </a:ln>
+        </p:spPr>
+        <p:style>
+          <a:lnRef idx="2">
+            <a:schemeClr val="accent1">
+              <a:shade val="50000"/>
+            </a:schemeClr>
+          </a:lnRef>
+          <a:fillRef idx="1">
+            <a:schemeClr val="accent1"/>
+          </a:fillRef>
+          <a:effectRef idx="0">
+            <a:schemeClr val="accent1"/>
+          </a:effectRef>
+          <a:fontRef idx="minor">
+            <a:schemeClr val="lt1"/>
+          </a:fontRef>
+        </p:style>
+        <p:txBody>
+          <a:bodyPr rtlCol="0" anchor="ctr"/>
+          <a:lstStyle/>
+          <a:p>
+            <a:pPr algn="ctr"/>
+            <a:endParaRPr lang="en-US"/>
+          </a:p>
+        </p:txBody>
+      </p:sp>
+      <p:pic>
+        <p:nvPicPr>
+          <p:cNvPr id="2052" name="Picture 4" descr="Искусственная Солнечная система | Пикабу">
+            <a:extLst>
+              <a:ext uri="{FF2B5EF4-FFF2-40B4-BE49-F238E27FC236}">
+                <a16:creationId xmlns:a16="http://schemas.microsoft.com/office/drawing/2014/main" id="{B3B4AA24-BF2A-4FFA-933A-F9865B057481}"/>
+              </a:ext>
+            </a:extLst>
+          </p:cNvPr>
+          <p:cNvPicPr>
+            <a:picLocks noChangeAspect="1" noChangeArrowheads="1"/>
+          </p:cNvPicPr>
+          <p:nvPr/>
+        </p:nvPicPr>
+        <p:blipFill>
+          <a:blip r:embed="rId3">
+            <a:extLst>
+              <a:ext uri="{28A0092B-C50C-407E-A947-70E740481C1C}">
+                <a14:useLocalDpi xmlns:a14="http://schemas.microsoft.com/office/drawing/2010/main" val="0"/>
+              </a:ext>
+            </a:extLst>
+          </a:blip>
+          <a:stretch>
+            <a:fillRect/>
+          </a:stretch>
+        </p:blipFill>
+        <p:spPr bwMode="auto">
+          <a:xfrm>
+            <a:off x="5275608" y="4410718"/>
+            <a:ext cx="3049308" cy="1402681"/>
+          </a:xfrm>
+          <a:prstGeom prst="rect">
+            <a:avLst/>
+          </a:prstGeom>
+          <a:noFill/>
+          <a:extLst>
+            <a:ext uri="{909E8E84-426E-40DD-AFC4-6F175D3DCCD1}">
+              <a14:hiddenFill xmlns:a14="http://schemas.microsoft.com/office/drawing/2010/main">
+                <a:solidFill>
+                  <a:srgbClr val="FFFFFF"/>
+                </a:solidFill>
+              </a14:hiddenFill>
+            </a:ext>
+          </a:extLst>
+        </p:spPr>
+      </p:pic>
+      <p:sp>
+        <p:nvSpPr>
+          <p:cNvPr id="151" name="Rectangle 150">
+            <a:extLst>
+              <a:ext uri="{FF2B5EF4-FFF2-40B4-BE49-F238E27FC236}">
+                <a16:creationId xmlns:a16="http://schemas.microsoft.com/office/drawing/2014/main" id="{7472A6C1-76CF-4215-B818-52CFF4D7AAC2}"/>
+              </a:ext>
+              <a:ext uri="{C183D7F6-B498-43B3-948B-1728B52AA6E4}">
+                <adec:decorative xmlns:adec="http://schemas.microsoft.com/office/drawing/2017/decorative" val="1"/>
+              </a:ext>
+            </a:extLst>
+          </p:cNvPr>
+          <p:cNvSpPr>
+            <a:spLocks noGrp="1" noRot="1" noChangeAspect="1" noMove="1" noResize="1" noEditPoints="1" noAdjustHandles="1" noChangeArrowheads="1" noChangeShapeType="1" noTextEdit="1"/>
+          </p:cNvSpPr>
+          <p:nvPr>
+            <p:extLst>
+              <p:ext uri="{386F3935-93C4-4BCD-93E2-E3B085C9AB24}">
+                <p16:designElem xmlns:p16="http://schemas.microsoft.com/office/powerpoint/2015/main" val="1"/>
+              </p:ext>
+            </p:extLst>
+          </p:nvPr>
+        </p:nvSpPr>
+        <p:spPr>
+          <a:xfrm>
+            <a:off x="8638608" y="2722807"/>
+            <a:ext cx="2849303" cy="3367097"/>
+          </a:xfrm>
+          <a:prstGeom prst="rect">
+            <a:avLst/>
+          </a:prstGeom>
+          <a:solidFill>
+            <a:srgbClr val="FFFFFF"/>
+          </a:solidFill>
+          <a:ln w="66675" cmpd="sng">
+            <a:solidFill>
+              <a:schemeClr val="bg2"/>
+            </a:solidFill>
+            <a:miter lim="800000"/>
+          </a:ln>
+        </p:spPr>
+        <p:style>
+          <a:lnRef idx="2">
+            <a:schemeClr val="accent1">
+              <a:shade val="50000"/>
+            </a:schemeClr>
+          </a:lnRef>
+          <a:fillRef idx="1">
+            <a:schemeClr val="accent1"/>
+          </a:fillRef>
+          <a:effectRef idx="0">
+            <a:schemeClr val="accent1"/>
+          </a:effectRef>
+          <a:fontRef idx="minor">
+            <a:schemeClr val="lt1"/>
+          </a:fontRef>
+        </p:style>
+        <p:txBody>
+          <a:bodyPr rtlCol="0" anchor="ctr"/>
+          <a:lstStyle/>
+          <a:p>
+            <a:pPr algn="ctr"/>
+            <a:endParaRPr lang="en-US"/>
+          </a:p>
+        </p:txBody>
+      </p:sp>
+      <p:pic>
+        <p:nvPicPr>
+          <p:cNvPr id="1026" name="Picture 2">
+            <a:extLst>
+              <a:ext uri="{FF2B5EF4-FFF2-40B4-BE49-F238E27FC236}">
+                <a16:creationId xmlns:a16="http://schemas.microsoft.com/office/drawing/2014/main" id="{8F6C2E5C-799F-4258-9B35-2B828DEA0C5F}"/>
+              </a:ext>
+            </a:extLst>
+          </p:cNvPr>
+          <p:cNvPicPr>
+            <a:picLocks noChangeAspect="1" noChangeArrowheads="1"/>
+          </p:cNvPicPr>
+          <p:nvPr/>
+        </p:nvPicPr>
+        <p:blipFill rotWithShape="1">
+          <a:blip r:embed="rId4">
+            <a:extLst>
+              <a:ext uri="{28A0092B-C50C-407E-A947-70E740481C1C}">
+                <a14:useLocalDpi xmlns:a14="http://schemas.microsoft.com/office/drawing/2010/main" val="0"/>
+              </a:ext>
+            </a:extLst>
+          </a:blip>
+          <a:srcRect t="7785"/>
+          <a:stretch/>
+        </p:blipFill>
+        <p:spPr bwMode="auto">
+          <a:xfrm>
+            <a:off x="8801387" y="3606356"/>
+            <a:ext cx="2523744" cy="1599998"/>
+          </a:xfrm>
+          <a:prstGeom prst="rect">
+            <a:avLst/>
+          </a:prstGeom>
+          <a:noFill/>
+          <a:extLst>
+            <a:ext uri="{909E8E84-426E-40DD-AFC4-6F175D3DCCD1}">
+              <a14:hiddenFill xmlns:a14="http://schemas.microsoft.com/office/drawing/2010/main">
+                <a:solidFill>
+                  <a:srgbClr val="FFFFFF"/>
+                </a:solidFill>
+              </a14:hiddenFill>
+            </a:ext>
+          </a:extLst>
+        </p:spPr>
+      </p:pic>
+      <p:sp>
+        <p:nvSpPr>
+          <p:cNvPr id="153" name="Rectangle 152">
+            <a:extLst>
+              <a:ext uri="{FF2B5EF4-FFF2-40B4-BE49-F238E27FC236}">
+                <a16:creationId xmlns:a16="http://schemas.microsoft.com/office/drawing/2014/main" id="{E61CE9D6-3D74-4540-A98B-232824586A3A}"/>
               </a:ext>
               <a:ext uri="{C183D7F6-B498-43B3-948B-1728B52AA6E4}">
                 <adec:decorative xmlns:adec="http://schemas.microsoft.com/office/drawing/2017/decorative" val="1"/>
@@ -17388,655 +18133,6 @@
           </a:fontRef>
         </p:style>
       </p:sp>
-      <p:sp useBgFill="1">
-        <p:nvSpPr>
-          <p:cNvPr id="37" name="Rectangle 36">
-            <a:extLst>
-              <a:ext uri="{FF2B5EF4-FFF2-40B4-BE49-F238E27FC236}">
-                <a16:creationId xmlns:a16="http://schemas.microsoft.com/office/drawing/2014/main" id="{29DC5A77-10C9-4ECF-B7EB-8D917F36A9EE}"/>
-              </a:ext>
-              <a:ext uri="{C183D7F6-B498-43B3-948B-1728B52AA6E4}">
-                <adec:decorative xmlns:adec="http://schemas.microsoft.com/office/drawing/2017/decorative" val="1"/>
-              </a:ext>
-            </a:extLst>
-          </p:cNvPr>
-          <p:cNvSpPr>
-            <a:spLocks noGrp="1" noRot="1" noChangeAspect="1" noMove="1" noResize="1" noEditPoints="1" noAdjustHandles="1" noChangeArrowheads="1" noChangeShapeType="1" noTextEdit="1"/>
-          </p:cNvSpPr>
-          <p:nvPr>
-            <p:extLst>
-              <p:ext uri="{386F3935-93C4-4BCD-93E2-E3B085C9AB24}">
-                <p16:designElem xmlns:p16="http://schemas.microsoft.com/office/powerpoint/2015/main" val="1"/>
-              </p:ext>
-            </p:extLst>
-          </p:nvPr>
-        </p:nvSpPr>
-        <p:spPr>
-          <a:xfrm>
-            <a:off x="0" y="0"/>
-            <a:ext cx="12192000" cy="6858000"/>
-          </a:xfrm>
-          <a:prstGeom prst="rect">
-            <a:avLst/>
-          </a:prstGeom>
-          <a:ln>
-            <a:noFill/>
-          </a:ln>
-        </p:spPr>
-        <p:style>
-          <a:lnRef idx="2">
-            <a:schemeClr val="accent1">
-              <a:shade val="50000"/>
-            </a:schemeClr>
-          </a:lnRef>
-          <a:fillRef idx="1">
-            <a:schemeClr val="accent1"/>
-          </a:fillRef>
-          <a:effectRef idx="0">
-            <a:schemeClr val="accent1"/>
-          </a:effectRef>
-          <a:fontRef idx="minor">
-            <a:schemeClr val="lt1"/>
-          </a:fontRef>
-        </p:style>
-        <p:txBody>
-          <a:bodyPr rtlCol="0" anchor="ctr"/>
-          <a:lstStyle/>
-          <a:p>
-            <a:pPr marL="0" marR="0" lvl="0" indent="0" algn="ctr" defTabSz="457200" rtl="0" eaLnBrk="1" fontAlgn="auto" latinLnBrk="0" hangingPunct="1">
-              <a:lnSpc>
-                <a:spcPct val="100000"/>
-              </a:lnSpc>
-              <a:spcBef>
-                <a:spcPts val="0"/>
-              </a:spcBef>
-              <a:spcAft>
-                <a:spcPts val="0"/>
-              </a:spcAft>
-              <a:buClrTx/>
-              <a:buSzTx/>
-              <a:buFontTx/>
-              <a:buNone/>
-              <a:tabLst/>
-              <a:defRPr/>
-            </a:pPr>
-            <a:endParaRPr kumimoji="0" lang="en-US" sz="1800" b="0" i="0" u="none" strike="noStrike" kern="1200" cap="none" spc="0" normalizeH="0" baseline="0" noProof="0">
-              <a:ln>
-                <a:noFill/>
-              </a:ln>
-              <a:solidFill>
-                <a:srgbClr val="FFFFFF"/>
-              </a:solidFill>
-              <a:effectLst/>
-              <a:uLnTx/>
-              <a:uFillTx/>
-              <a:latin typeface="Corbel" panose="020B0503020204020204"/>
-              <a:ea typeface="+mn-ea"/>
-              <a:cs typeface="+mn-cs"/>
-            </a:endParaRPr>
-          </a:p>
-        </p:txBody>
-      </p:sp>
-      <p:sp>
-        <p:nvSpPr>
-          <p:cNvPr id="39" name="Rectangle 38">
-            <a:extLst>
-              <a:ext uri="{FF2B5EF4-FFF2-40B4-BE49-F238E27FC236}">
-                <a16:creationId xmlns:a16="http://schemas.microsoft.com/office/drawing/2014/main" id="{2FFE28B5-FB16-49A9-B851-3C35FAC0CACB}"/>
-              </a:ext>
-              <a:ext uri="{C183D7F6-B498-43B3-948B-1728B52AA6E4}">
-                <adec:decorative xmlns:adec="http://schemas.microsoft.com/office/drawing/2017/decorative" val="1"/>
-              </a:ext>
-            </a:extLst>
-          </p:cNvPr>
-          <p:cNvSpPr>
-            <a:spLocks noGrp="1" noRot="1" noChangeAspect="1" noMove="1" noResize="1" noEditPoints="1" noAdjustHandles="1" noChangeArrowheads="1" noChangeShapeType="1" noTextEdit="1"/>
-          </p:cNvSpPr>
-          <p:nvPr>
-            <p:extLst>
-              <p:ext uri="{386F3935-93C4-4BCD-93E2-E3B085C9AB24}">
-                <p16:designElem xmlns:p16="http://schemas.microsoft.com/office/powerpoint/2015/main" val="1"/>
-              </p:ext>
-            </p:extLst>
-          </p:nvPr>
-        </p:nvSpPr>
-        <p:spPr>
-          <a:xfrm>
-            <a:off x="1" y="758952"/>
-            <a:ext cx="10905976" cy="1651133"/>
-          </a:xfrm>
-          <a:prstGeom prst="rect">
-            <a:avLst/>
-          </a:prstGeom>
-          <a:solidFill>
-            <a:schemeClr val="accent1"/>
-          </a:solidFill>
-          <a:ln>
-            <a:noFill/>
-          </a:ln>
-        </p:spPr>
-        <p:style>
-          <a:lnRef idx="2">
-            <a:schemeClr val="accent1">
-              <a:shade val="50000"/>
-            </a:schemeClr>
-          </a:lnRef>
-          <a:fillRef idx="1">
-            <a:schemeClr val="accent1"/>
-          </a:fillRef>
-          <a:effectRef idx="0">
-            <a:schemeClr val="accent1"/>
-          </a:effectRef>
-          <a:fontRef idx="minor">
-            <a:schemeClr val="lt1"/>
-          </a:fontRef>
-        </p:style>
-        <p:txBody>
-          <a:bodyPr/>
-          <a:lstStyle/>
-          <a:p>
-            <a:pPr marL="0" marR="0" lvl="0" indent="0" algn="l" defTabSz="457200" rtl="0" eaLnBrk="1" fontAlgn="auto" latinLnBrk="0" hangingPunct="1">
-              <a:lnSpc>
-                <a:spcPct val="100000"/>
-              </a:lnSpc>
-              <a:spcBef>
-                <a:spcPts val="0"/>
-              </a:spcBef>
-              <a:spcAft>
-                <a:spcPts val="0"/>
-              </a:spcAft>
-              <a:buClrTx/>
-              <a:buSzTx/>
-              <a:buFontTx/>
-              <a:buNone/>
-              <a:tabLst/>
-              <a:defRPr/>
-            </a:pPr>
-            <a:endParaRPr kumimoji="0" lang="en-US" sz="1800" b="0" i="0" u="none" strike="noStrike" kern="1200" cap="none" spc="0" normalizeH="0" baseline="0" noProof="0" dirty="0">
-              <a:ln>
-                <a:noFill/>
-              </a:ln>
-              <a:solidFill>
-                <a:srgbClr val="FFFFFF"/>
-              </a:solidFill>
-              <a:effectLst/>
-              <a:uLnTx/>
-              <a:uFillTx/>
-              <a:latin typeface="Corbel" panose="020B0503020204020204"/>
-              <a:ea typeface="+mn-ea"/>
-              <a:cs typeface="+mn-cs"/>
-            </a:endParaRPr>
-          </a:p>
-        </p:txBody>
-      </p:sp>
-      <p:sp>
-        <p:nvSpPr>
-          <p:cNvPr id="28" name="Заголовок 1">
-            <a:extLst>
-              <a:ext uri="{FF2B5EF4-FFF2-40B4-BE49-F238E27FC236}">
-                <a16:creationId xmlns:a16="http://schemas.microsoft.com/office/drawing/2014/main" id="{A1800B60-BA5D-4BD9-AAE0-43620F882506}"/>
-              </a:ext>
-            </a:extLst>
-          </p:cNvPr>
-          <p:cNvSpPr txBox="1">
-            <a:spLocks/>
-          </p:cNvSpPr>
-          <p:nvPr/>
-        </p:nvSpPr>
-        <p:spPr>
-          <a:xfrm>
-            <a:off x="1600754" y="1087374"/>
-            <a:ext cx="8983489" cy="1000978"/>
-          </a:xfrm>
-          <a:prstGeom prst="rect">
-            <a:avLst/>
-          </a:prstGeom>
-        </p:spPr>
-        <p:txBody>
-          <a:bodyPr vert="horz" lIns="91440" tIns="45720" rIns="91440" bIns="45720" rtlCol="0" anchor="ctr">
-            <a:normAutofit/>
-          </a:bodyPr>
-          <a:lstStyle>
-            <a:lvl1pPr algn="l" defTabSz="914400" rtl="0" eaLnBrk="1" latinLnBrk="0" hangingPunct="1">
-              <a:lnSpc>
-                <a:spcPct val="90000"/>
-              </a:lnSpc>
-              <a:spcBef>
-                <a:spcPct val="0"/>
-              </a:spcBef>
-              <a:buNone/>
-              <a:defRPr sz="5900" kern="1200" spc="-100" baseline="0">
-                <a:solidFill>
-                  <a:srgbClr val="FFFFFF"/>
-                </a:solidFill>
-                <a:latin typeface="+mj-lt"/>
-                <a:ea typeface="+mj-ea"/>
-                <a:cs typeface="+mj-cs"/>
-              </a:defRPr>
-            </a:lvl1pPr>
-          </a:lstStyle>
-          <a:p>
-            <a:pPr marL="0" marR="0" lvl="0" indent="0" algn="l" defTabSz="914400" rtl="0" eaLnBrk="1" fontAlgn="auto" latinLnBrk="0" hangingPunct="1">
-              <a:lnSpc>
-                <a:spcPct val="90000"/>
-              </a:lnSpc>
-              <a:spcBef>
-                <a:spcPct val="0"/>
-              </a:spcBef>
-              <a:spcAft>
-                <a:spcPts val="600"/>
-              </a:spcAft>
-              <a:buClr>
-                <a:srgbClr val="40BAD2"/>
-              </a:buClr>
-              <a:buSzTx/>
-              <a:buFontTx/>
-              <a:buNone/>
-              <a:tabLst/>
-              <a:defRPr/>
-            </a:pPr>
-            <a:r>
-              <a:rPr lang="ru-RU" sz="2000" b="1" spc="-60" dirty="0">
-                <a:latin typeface="Corbel" panose="020B0503020204020204"/>
-              </a:rPr>
-              <a:t>Исходные данные</a:t>
-            </a:r>
-            <a:br>
-              <a:rPr kumimoji="0" lang="en-US" sz="2000" b="1" i="0" u="none" strike="noStrike" kern="1200" cap="none" spc="-60" normalizeH="0" baseline="0" noProof="0" dirty="0">
-                <a:ln>
-                  <a:noFill/>
-                </a:ln>
-                <a:solidFill>
-                  <a:srgbClr val="FFFFFF"/>
-                </a:solidFill>
-                <a:effectLst/>
-                <a:uLnTx/>
-                <a:uFillTx/>
-                <a:latin typeface="Corbel" panose="020B0503020204020204"/>
-                <a:ea typeface="+mj-ea"/>
-                <a:cs typeface="+mj-cs"/>
-              </a:rPr>
-            </a:br>
-            <a:br>
-              <a:rPr kumimoji="0" lang="en-US" sz="2000" b="1" i="0" u="none" strike="noStrike" kern="1200" cap="none" spc="-60" normalizeH="0" baseline="0" noProof="0" dirty="0">
-                <a:ln>
-                  <a:noFill/>
-                </a:ln>
-                <a:solidFill>
-                  <a:srgbClr val="FFFFFF"/>
-                </a:solidFill>
-                <a:effectLst/>
-                <a:uLnTx/>
-                <a:uFillTx/>
-                <a:latin typeface="Corbel" panose="020B0503020204020204"/>
-                <a:ea typeface="+mj-ea"/>
-                <a:cs typeface="+mj-cs"/>
-              </a:rPr>
-            </a:br>
-            <a:endParaRPr kumimoji="0" lang="en-US" sz="2000" b="1" i="0" u="none" strike="noStrike" kern="1200" cap="none" spc="-60" normalizeH="0" baseline="0" noProof="0" dirty="0">
-              <a:ln>
-                <a:noFill/>
-              </a:ln>
-              <a:solidFill>
-                <a:srgbClr val="FFFFFF"/>
-              </a:solidFill>
-              <a:effectLst/>
-              <a:uLnTx/>
-              <a:uFillTx/>
-              <a:latin typeface="Corbel" panose="020B0503020204020204"/>
-              <a:ea typeface="+mj-ea"/>
-              <a:cs typeface="+mj-cs"/>
-            </a:endParaRPr>
-          </a:p>
-        </p:txBody>
-      </p:sp>
-      <p:sp>
-        <p:nvSpPr>
-          <p:cNvPr id="41" name="Rectangle 40">
-            <a:extLst>
-              <a:ext uri="{FF2B5EF4-FFF2-40B4-BE49-F238E27FC236}">
-                <a16:creationId xmlns:a16="http://schemas.microsoft.com/office/drawing/2014/main" id="{01014442-855A-4E0F-8D09-C314661A48B9}"/>
-              </a:ext>
-              <a:ext uri="{C183D7F6-B498-43B3-948B-1728B52AA6E4}">
-                <adec:decorative xmlns:adec="http://schemas.microsoft.com/office/drawing/2017/decorative" val="1"/>
-              </a:ext>
-            </a:extLst>
-          </p:cNvPr>
-          <p:cNvSpPr>
-            <a:spLocks noGrp="1" noRot="1" noChangeAspect="1" noMove="1" noResize="1" noEditPoints="1" noAdjustHandles="1" noChangeArrowheads="1" noChangeShapeType="1" noTextEdit="1"/>
-          </p:cNvSpPr>
-          <p:nvPr>
-            <p:extLst>
-              <p:ext uri="{386F3935-93C4-4BCD-93E2-E3B085C9AB24}">
-                <p16:designElem xmlns:p16="http://schemas.microsoft.com/office/powerpoint/2015/main" val="1"/>
-              </p:ext>
-            </p:extLst>
-          </p:nvPr>
-        </p:nvSpPr>
-        <p:spPr>
-          <a:xfrm>
-            <a:off x="11014533" y="758952"/>
-            <a:ext cx="1185379" cy="1651133"/>
-          </a:xfrm>
-          <a:prstGeom prst="rect">
-            <a:avLst/>
-          </a:prstGeom>
-          <a:solidFill>
-            <a:srgbClr val="C8C8C8">
-              <a:alpha val="49804"/>
-            </a:srgbClr>
-          </a:solidFill>
-          <a:ln>
-            <a:noFill/>
-          </a:ln>
-        </p:spPr>
-        <p:style>
-          <a:lnRef idx="2">
-            <a:schemeClr val="accent1">
-              <a:shade val="50000"/>
-            </a:schemeClr>
-          </a:lnRef>
-          <a:fillRef idx="1">
-            <a:schemeClr val="accent1"/>
-          </a:fillRef>
-          <a:effectRef idx="0">
-            <a:schemeClr val="accent1"/>
-          </a:effectRef>
-          <a:fontRef idx="minor">
-            <a:schemeClr val="lt1"/>
-          </a:fontRef>
-        </p:style>
-      </p:sp>
-      <p:sp>
-        <p:nvSpPr>
-          <p:cNvPr id="43" name="Rectangle 42">
-            <a:extLst>
-              <a:ext uri="{FF2B5EF4-FFF2-40B4-BE49-F238E27FC236}">
-                <a16:creationId xmlns:a16="http://schemas.microsoft.com/office/drawing/2014/main" id="{9B1ABF09-86CF-414E-88A5-2B84CC7232A9}"/>
-              </a:ext>
-              <a:ext uri="{C183D7F6-B498-43B3-948B-1728B52AA6E4}">
-                <adec:decorative xmlns:adec="http://schemas.microsoft.com/office/drawing/2017/decorative" val="1"/>
-              </a:ext>
-            </a:extLst>
-          </p:cNvPr>
-          <p:cNvSpPr>
-            <a:spLocks noGrp="1" noRot="1" noChangeAspect="1" noMove="1" noResize="1" noEditPoints="1" noAdjustHandles="1" noChangeArrowheads="1" noChangeShapeType="1" noTextEdit="1"/>
-          </p:cNvSpPr>
-          <p:nvPr>
-            <p:extLst>
-              <p:ext uri="{386F3935-93C4-4BCD-93E2-E3B085C9AB24}">
-                <p16:designElem xmlns:p16="http://schemas.microsoft.com/office/powerpoint/2015/main" val="1"/>
-              </p:ext>
-            </p:extLst>
-          </p:nvPr>
-        </p:nvSpPr>
-        <p:spPr>
-          <a:xfrm>
-            <a:off x="763" y="2526526"/>
-            <a:ext cx="1169701" cy="3563378"/>
-          </a:xfrm>
-          <a:prstGeom prst="rect">
-            <a:avLst/>
-          </a:prstGeom>
-          <a:solidFill>
-            <a:srgbClr val="C8C8C8">
-              <a:alpha val="49804"/>
-            </a:srgbClr>
-          </a:solidFill>
-          <a:ln>
-            <a:noFill/>
-          </a:ln>
-        </p:spPr>
-        <p:style>
-          <a:lnRef idx="2">
-            <a:schemeClr val="accent1">
-              <a:shade val="50000"/>
-            </a:schemeClr>
-          </a:lnRef>
-          <a:fillRef idx="1">
-            <a:schemeClr val="accent1"/>
-          </a:fillRef>
-          <a:effectRef idx="0">
-            <a:schemeClr val="accent1"/>
-          </a:effectRef>
-          <a:fontRef idx="minor">
-            <a:schemeClr val="lt1"/>
-          </a:fontRef>
-        </p:style>
-      </p:sp>
-      <p:sp>
-        <p:nvSpPr>
-          <p:cNvPr id="45" name="Rectangle 44">
-            <a:extLst>
-              <a:ext uri="{FF2B5EF4-FFF2-40B4-BE49-F238E27FC236}">
-                <a16:creationId xmlns:a16="http://schemas.microsoft.com/office/drawing/2014/main" id="{3FE91770-CDBB-4D24-94E5-AD484F36CE87}"/>
-              </a:ext>
-              <a:ext uri="{C183D7F6-B498-43B3-948B-1728B52AA6E4}">
-                <adec:decorative xmlns:adec="http://schemas.microsoft.com/office/drawing/2017/decorative" val="1"/>
-              </a:ext>
-            </a:extLst>
-          </p:cNvPr>
-          <p:cNvSpPr>
-            <a:spLocks noGrp="1" noRot="1" noChangeAspect="1" noMove="1" noResize="1" noEditPoints="1" noAdjustHandles="1" noChangeArrowheads="1" noChangeShapeType="1" noTextEdit="1"/>
-          </p:cNvSpPr>
-          <p:nvPr>
-            <p:extLst>
-              <p:ext uri="{386F3935-93C4-4BCD-93E2-E3B085C9AB24}">
-                <p16:designElem xmlns:p16="http://schemas.microsoft.com/office/powerpoint/2015/main" val="1"/>
-              </p:ext>
-            </p:extLst>
-          </p:nvPr>
-        </p:nvSpPr>
-        <p:spPr>
-          <a:xfrm>
-            <a:off x="1279019" y="2526526"/>
-            <a:ext cx="10920893" cy="3563377"/>
-          </a:xfrm>
-          <a:prstGeom prst="rect">
-            <a:avLst/>
-          </a:prstGeom>
-          <a:solidFill>
-            <a:schemeClr val="bg2">
-              <a:lumMod val="60000"/>
-              <a:lumOff val="40000"/>
-              <a:alpha val="60000"/>
-            </a:schemeClr>
-          </a:solidFill>
-          <a:ln>
-            <a:noFill/>
-          </a:ln>
-        </p:spPr>
-        <p:style>
-          <a:lnRef idx="2">
-            <a:schemeClr val="accent1">
-              <a:shade val="50000"/>
-            </a:schemeClr>
-          </a:lnRef>
-          <a:fillRef idx="1">
-            <a:schemeClr val="accent1"/>
-          </a:fillRef>
-          <a:effectRef idx="0">
-            <a:schemeClr val="accent1"/>
-          </a:effectRef>
-          <a:fontRef idx="minor">
-            <a:schemeClr val="lt1"/>
-          </a:fontRef>
-        </p:style>
-        <p:txBody>
-          <a:bodyPr/>
-          <a:lstStyle/>
-          <a:p>
-            <a:pPr marL="0" marR="0" lvl="0" indent="0" algn="l" defTabSz="457200" rtl="0" eaLnBrk="1" fontAlgn="auto" latinLnBrk="0" hangingPunct="1">
-              <a:lnSpc>
-                <a:spcPct val="100000"/>
-              </a:lnSpc>
-              <a:spcBef>
-                <a:spcPts val="0"/>
-              </a:spcBef>
-              <a:spcAft>
-                <a:spcPts val="0"/>
-              </a:spcAft>
-              <a:buClrTx/>
-              <a:buSzTx/>
-              <a:buFontTx/>
-              <a:buNone/>
-              <a:tabLst/>
-              <a:defRPr/>
-            </a:pPr>
-            <a:endParaRPr kumimoji="0" lang="en-US" sz="1800" b="0" i="0" u="none" strike="noStrike" kern="1200" cap="none" spc="0" normalizeH="0" baseline="0" noProof="0" dirty="0">
-              <a:ln>
-                <a:noFill/>
-              </a:ln>
-              <a:solidFill>
-                <a:srgbClr val="FFFFFF"/>
-              </a:solidFill>
-              <a:effectLst/>
-              <a:uLnTx/>
-              <a:uFillTx/>
-              <a:latin typeface="Corbel" panose="020B0503020204020204"/>
-              <a:ea typeface="+mn-ea"/>
-              <a:cs typeface="+mn-cs"/>
-            </a:endParaRPr>
-          </a:p>
-        </p:txBody>
-      </p:sp>
-      <p:pic>
-        <p:nvPicPr>
-          <p:cNvPr id="2052" name="Picture 4" descr="Искусственная Солнечная система | Пикабу">
-            <a:extLst>
-              <a:ext uri="{FF2B5EF4-FFF2-40B4-BE49-F238E27FC236}">
-                <a16:creationId xmlns:a16="http://schemas.microsoft.com/office/drawing/2014/main" id="{B3B4AA24-BF2A-4FFA-933A-F9865B057481}"/>
-              </a:ext>
-            </a:extLst>
-          </p:cNvPr>
-          <p:cNvPicPr>
-            <a:picLocks noChangeAspect="1" noChangeArrowheads="1"/>
-          </p:cNvPicPr>
-          <p:nvPr/>
-        </p:nvPicPr>
-        <p:blipFill>
-          <a:blip r:embed="rId2">
-            <a:extLst>
-              <a:ext uri="{28A0092B-C50C-407E-A947-70E740481C1C}">
-                <a14:useLocalDpi xmlns:a14="http://schemas.microsoft.com/office/drawing/2010/main" val="0"/>
-              </a:ext>
-            </a:extLst>
-          </a:blip>
-          <a:srcRect/>
-          <a:stretch>
-            <a:fillRect/>
-          </a:stretch>
-        </p:blipFill>
-        <p:spPr bwMode="auto">
-          <a:xfrm>
-            <a:off x="188057" y="2526525"/>
-            <a:ext cx="6728178" cy="3313252"/>
-          </a:xfrm>
-          <a:prstGeom prst="rect">
-            <a:avLst/>
-          </a:prstGeom>
-          <a:noFill/>
-          <a:extLst>
-            <a:ext uri="{909E8E84-426E-40DD-AFC4-6F175D3DCCD1}">
-              <a14:hiddenFill xmlns:a14="http://schemas.microsoft.com/office/drawing/2010/main">
-                <a:solidFill>
-                  <a:srgbClr val="FFFFFF"/>
-                </a:solidFill>
-              </a14:hiddenFill>
-            </a:ext>
-          </a:extLst>
-        </p:spPr>
-      </p:pic>
-      <p:pic>
-        <p:nvPicPr>
-          <p:cNvPr id="2056" name="Picture 8" descr="радиусы планет">
-            <a:extLst>
-              <a:ext uri="{FF2B5EF4-FFF2-40B4-BE49-F238E27FC236}">
-                <a16:creationId xmlns:a16="http://schemas.microsoft.com/office/drawing/2014/main" id="{45CB47AA-3799-4DCC-85EB-D782D9536507}"/>
-              </a:ext>
-            </a:extLst>
-          </p:cNvPr>
-          <p:cNvPicPr>
-            <a:picLocks noChangeAspect="1" noChangeArrowheads="1"/>
-          </p:cNvPicPr>
-          <p:nvPr/>
-        </p:nvPicPr>
-        <p:blipFill rotWithShape="1">
-          <a:blip r:embed="rId3">
-            <a:extLst>
-              <a:ext uri="{28A0092B-C50C-407E-A947-70E740481C1C}">
-                <a14:useLocalDpi xmlns:a14="http://schemas.microsoft.com/office/drawing/2010/main" val="0"/>
-              </a:ext>
-            </a:extLst>
-          </a:blip>
-          <a:srcRect r="50000"/>
-          <a:stretch/>
-        </p:blipFill>
-        <p:spPr bwMode="auto">
-          <a:xfrm>
-            <a:off x="1921256" y="542848"/>
-            <a:ext cx="2947987" cy="3467100"/>
-          </a:xfrm>
-          <a:prstGeom prst="rect">
-            <a:avLst/>
-          </a:prstGeom>
-          <a:noFill/>
-          <a:extLst>
-            <a:ext uri="{909E8E84-426E-40DD-AFC4-6F175D3DCCD1}">
-              <a14:hiddenFill xmlns:a14="http://schemas.microsoft.com/office/drawing/2010/main">
-                <a:solidFill>
-                  <a:srgbClr val="FFFFFF"/>
-                </a:solidFill>
-              </a14:hiddenFill>
-            </a:ext>
-          </a:extLst>
-        </p:spPr>
-      </p:pic>
-      <p:pic>
-        <p:nvPicPr>
-          <p:cNvPr id="1026" name="Picture 2">
-            <a:extLst>
-              <a:ext uri="{FF2B5EF4-FFF2-40B4-BE49-F238E27FC236}">
-                <a16:creationId xmlns:a16="http://schemas.microsoft.com/office/drawing/2014/main" id="{8F6C2E5C-799F-4258-9B35-2B828DEA0C5F}"/>
-              </a:ext>
-            </a:extLst>
-          </p:cNvPr>
-          <p:cNvPicPr>
-            <a:picLocks noChangeAspect="1" noChangeArrowheads="1"/>
-          </p:cNvPicPr>
-          <p:nvPr/>
-        </p:nvPicPr>
-        <p:blipFill rotWithShape="1">
-          <a:blip r:embed="rId4">
-            <a:extLst>
-              <a:ext uri="{28A0092B-C50C-407E-A947-70E740481C1C}">
-                <a14:useLocalDpi xmlns:a14="http://schemas.microsoft.com/office/drawing/2010/main" val="0"/>
-              </a:ext>
-            </a:extLst>
-          </a:blip>
-          <a:srcRect t="7785"/>
-          <a:stretch/>
-        </p:blipFill>
-        <p:spPr bwMode="auto">
-          <a:xfrm>
-            <a:off x="5190977" y="2992580"/>
-            <a:ext cx="5715000" cy="3618776"/>
-          </a:xfrm>
-          <a:prstGeom prst="rect">
-            <a:avLst/>
-          </a:prstGeom>
-          <a:noFill/>
-          <a:extLst>
-            <a:ext uri="{909E8E84-426E-40DD-AFC4-6F175D3DCCD1}">
-              <a14:hiddenFill xmlns:a14="http://schemas.microsoft.com/office/drawing/2010/main">
-                <a:solidFill>
-                  <a:srgbClr val="FFFFFF"/>
-                </a:solidFill>
-              </a14:hiddenFill>
-            </a:ext>
-          </a:extLst>
-        </p:spPr>
-      </p:pic>
     </p:spTree>
     <p:extLst>
       <p:ext uri="{BB962C8B-B14F-4D97-AF65-F5344CB8AC3E}">
